--- a/PixiCUDA/doc/Алгоритм_обробки_графічних_зображень_та_його_паралельна_реалізація.pptx
+++ b/PixiCUDA/doc/Алгоритм_обробки_графічних_зображень_та_його_паралельна_реалізація.pptx
@@ -8009,7 +8009,7 @@
                 <a:latin typeface="Times New Roman" panose="02020603050405020304" pitchFamily="18" charset="0"/>
                 <a:ea typeface="Calibri" panose="020F0502020204030204" pitchFamily="34" charset="0"/>
               </a:rPr>
-              <a:t>На результатах аналізу тестування можна помітити, що часова складність є степеневою та зростає зі збільшенням розміру зображення, але менш повільно ніж в послідовному алгоритмі.</a:t>
+              <a:t>На результатах аналізу тестування можна помітити, що часова складність теж є квадратичною та зростає зі збільшенням розміру зображення, але менш повільно ніж в послідовному алгоритмі.</a:t>
             </a:r>
             <a:endParaRPr lang="ru-RU" dirty="0"/>
           </a:p>
@@ -10794,7 +10794,7 @@
                 <a:latin typeface="Times New Roman" panose="02020603050405020304" pitchFamily="18" charset="0"/>
                 <a:ea typeface="Calibri" panose="020F0502020204030204" pitchFamily="34" charset="0"/>
               </a:rPr>
-              <a:t>На результатах аналізу тестування можна помітити, що часова складність є степеневою та зростає зі збільшенням розміру зображення. Більш наглядно це продемонстровано на рисунку.</a:t>
+              <a:t>На результатах аналізу тестування можна помітити, що часова складність є квадратичною та зростає зі збільшенням розміру зображення. Більш наглядно це продемонстровано на рисунку.</a:t>
             </a:r>
             <a:endParaRPr lang="en-GB" dirty="0"/>
           </a:p>
@@ -14982,7 +14982,7 @@
               <a:t> </a:t>
             </a:r>
             <a:r>
-              <a:rPr lang="en-US" sz="3399" dirty="0" err="1">
+              <a:rPr lang="en-US" sz="3399">
                 <a:solidFill>
                   <a:srgbClr val="1F294C"/>
                 </a:solidFill>
@@ -25144,8 +25144,8 @@
           </p:sp>
         </mc:Fallback>
       </mc:AlternateContent>
-      <mc:AlternateContent xmlns:mc="http://schemas.openxmlformats.org/markup-compatibility/2006">
-        <mc:Choice xmlns:a14="http://schemas.microsoft.com/office/drawing/2010/main" Requires="a14">
+      <mc:AlternateContent xmlns:mc="http://schemas.openxmlformats.org/markup-compatibility/2006" xmlns:a14="http://schemas.microsoft.com/office/drawing/2010/main">
+        <mc:Choice Requires="a14">
           <p:sp>
             <p:nvSpPr>
               <p:cNvPr id="10" name="TextBox 9">
@@ -26753,7 +26753,7 @@
             </p:txBody>
           </p:sp>
         </mc:Choice>
-        <mc:Fallback>
+        <mc:Fallback xmlns="">
           <p:sp>
             <p:nvSpPr>
               <p:cNvPr id="10" name="TextBox 9">
